--- a/assets/images/zoom/zoom_howto.pptx
+++ b/assets/images/zoom/zoom_howto.pptx
@@ -197,7 +197,7 @@
           <a:p>
             <a:fld id="{4697E4FE-3151-4E13-92C5-D4A0CA31F510}" type="datetimeFigureOut">
               <a:rPr lang="en-US" smtClean="0"/>
-              <a:t>7/21/2020</a:t>
+              <a:t>7/22/2020</a:t>
             </a:fld>
             <a:endParaRPr lang="en-US"/>
           </a:p>
@@ -1258,7 +1258,7 @@
           <a:p>
             <a:fld id="{ED291B17-9318-49DB-B28B-6E5994AE9581}" type="datetime1">
               <a:rPr lang="en-US" smtClean="0"/>
-              <a:t>7/21/2020</a:t>
+              <a:t>7/22/2020</a:t>
             </a:fld>
             <a:endParaRPr lang="en-US" dirty="0"/>
           </a:p>
@@ -1509,7 +1509,7 @@
           <a:p>
             <a:fld id="{ED291B17-9318-49DB-B28B-6E5994AE9581}" type="datetime1">
               <a:rPr lang="en-US" smtClean="0"/>
-              <a:t>7/21/2020</a:t>
+              <a:t>7/22/2020</a:t>
             </a:fld>
             <a:endParaRPr lang="en-US" dirty="0"/>
           </a:p>
@@ -1824,7 +1824,7 @@
           <a:p>
             <a:fld id="{ED291B17-9318-49DB-B28B-6E5994AE9581}" type="datetime1">
               <a:rPr lang="en-US" smtClean="0"/>
-              <a:t>7/21/2020</a:t>
+              <a:t>7/22/2020</a:t>
             </a:fld>
             <a:endParaRPr lang="en-US" dirty="0"/>
           </a:p>
@@ -2158,7 +2158,7 @@
           <a:p>
             <a:fld id="{ED291B17-9318-49DB-B28B-6E5994AE9581}" type="datetime1">
               <a:rPr lang="en-US" smtClean="0"/>
-              <a:t>7/21/2020</a:t>
+              <a:t>7/22/2020</a:t>
             </a:fld>
             <a:endParaRPr lang="en-US" dirty="0"/>
           </a:p>
@@ -2473,7 +2473,7 @@
           <a:p>
             <a:fld id="{ED291B17-9318-49DB-B28B-6E5994AE9581}" type="datetime1">
               <a:rPr lang="en-US" smtClean="0"/>
-              <a:t>7/21/2020</a:t>
+              <a:t>7/22/2020</a:t>
             </a:fld>
             <a:endParaRPr lang="en-US" dirty="0"/>
           </a:p>
@@ -2867,7 +2867,7 @@
           <a:p>
             <a:fld id="{ED291B17-9318-49DB-B28B-6E5994AE9581}" type="datetime1">
               <a:rPr lang="en-US" smtClean="0"/>
-              <a:t>7/21/2020</a:t>
+              <a:t>7/22/2020</a:t>
             </a:fld>
             <a:endParaRPr lang="en-US" dirty="0"/>
           </a:p>
@@ -3038,7 +3038,7 @@
           <a:p>
             <a:fld id="{ED291B17-9318-49DB-B28B-6E5994AE9581}" type="datetime1">
               <a:rPr lang="en-US" smtClean="0"/>
-              <a:t>7/21/2020</a:t>
+              <a:t>7/22/2020</a:t>
             </a:fld>
             <a:endParaRPr lang="en-US" dirty="0"/>
           </a:p>
@@ -3219,7 +3219,7 @@
           <a:p>
             <a:fld id="{ED291B17-9318-49DB-B28B-6E5994AE9581}" type="datetime1">
               <a:rPr lang="en-US" smtClean="0"/>
-              <a:t>7/21/2020</a:t>
+              <a:t>7/22/2020</a:t>
             </a:fld>
             <a:endParaRPr lang="en-US" dirty="0"/>
           </a:p>
@@ -3390,7 +3390,7 @@
           <a:p>
             <a:fld id="{ED291B17-9318-49DB-B28B-6E5994AE9581}" type="datetime1">
               <a:rPr lang="en-US" smtClean="0"/>
-              <a:t>7/21/2020</a:t>
+              <a:t>7/22/2020</a:t>
             </a:fld>
             <a:endParaRPr lang="en-US" dirty="0"/>
           </a:p>
@@ -3638,7 +3638,7 @@
           <a:p>
             <a:fld id="{ED291B17-9318-49DB-B28B-6E5994AE9581}" type="datetime1">
               <a:rPr lang="en-US" smtClean="0"/>
-              <a:t>7/21/2020</a:t>
+              <a:t>7/22/2020</a:t>
             </a:fld>
             <a:endParaRPr lang="en-US" dirty="0"/>
           </a:p>
@@ -3936,7 +3936,7 @@
           <a:p>
             <a:fld id="{ED291B17-9318-49DB-B28B-6E5994AE9581}" type="datetime1">
               <a:rPr lang="en-US" smtClean="0"/>
-              <a:t>7/21/2020</a:t>
+              <a:t>7/22/2020</a:t>
             </a:fld>
             <a:endParaRPr lang="en-US" dirty="0"/>
           </a:p>
@@ -4316,7 +4316,7 @@
           <a:p>
             <a:fld id="{ED291B17-9318-49DB-B28B-6E5994AE9581}" type="datetime1">
               <a:rPr lang="en-US" smtClean="0"/>
-              <a:t>7/21/2020</a:t>
+              <a:t>7/22/2020</a:t>
             </a:fld>
             <a:endParaRPr lang="en-US" dirty="0"/>
           </a:p>
@@ -4440,7 +4440,7 @@
           <a:p>
             <a:fld id="{ED291B17-9318-49DB-B28B-6E5994AE9581}" type="datetime1">
               <a:rPr lang="en-US" smtClean="0"/>
-              <a:t>7/21/2020</a:t>
+              <a:t>7/22/2020</a:t>
             </a:fld>
             <a:endParaRPr lang="en-US" dirty="0"/>
           </a:p>
@@ -4536,7 +4536,7 @@
           <a:p>
             <a:fld id="{ED291B17-9318-49DB-B28B-6E5994AE9581}" type="datetime1">
               <a:rPr lang="en-US" smtClean="0"/>
-              <a:t>7/21/2020</a:t>
+              <a:t>7/22/2020</a:t>
             </a:fld>
             <a:endParaRPr lang="en-US" dirty="0"/>
           </a:p>
@@ -4792,7 +4792,7 @@
           <a:p>
             <a:fld id="{ED291B17-9318-49DB-B28B-6E5994AE9581}" type="datetime1">
               <a:rPr lang="en-US" smtClean="0"/>
-              <a:t>7/21/2020</a:t>
+              <a:t>7/22/2020</a:t>
             </a:fld>
             <a:endParaRPr lang="en-US" dirty="0"/>
           </a:p>
@@ -5056,7 +5056,7 @@
           <a:p>
             <a:fld id="{ED291B17-9318-49DB-B28B-6E5994AE9581}" type="datetime1">
               <a:rPr lang="en-US" smtClean="0"/>
-              <a:t>7/21/2020</a:t>
+              <a:t>7/22/2020</a:t>
             </a:fld>
             <a:endParaRPr lang="en-US" dirty="0"/>
           </a:p>
@@ -5871,7 +5871,7 @@
           <a:p>
             <a:fld id="{ED291B17-9318-49DB-B28B-6E5994AE9581}" type="datetime1">
               <a:rPr lang="en-US" smtClean="0"/>
-              <a:t>7/21/2020</a:t>
+              <a:t>7/22/2020</a:t>
             </a:fld>
             <a:endParaRPr lang="en-US" dirty="0"/>
           </a:p>
@@ -6557,10 +6557,10 @@
       </p:grpSp>
       <p:grpSp>
         <p:nvGrpSpPr>
-          <p:cNvPr id="25" name="Group 24">
+          <p:cNvPr id="8" name="Group 7">
             <a:extLst>
               <a:ext uri="{FF2B5EF4-FFF2-40B4-BE49-F238E27FC236}">
-                <a16:creationId xmlns:a16="http://schemas.microsoft.com/office/drawing/2014/main" id="{CA59835B-81EF-4DBB-8F6A-ED5735ACF0D0}"/>
+                <a16:creationId xmlns:a16="http://schemas.microsoft.com/office/drawing/2014/main" id="{89685141-33DD-405B-83EB-559B7F85291C}"/>
               </a:ext>
             </a:extLst>
           </p:cNvPr>
@@ -6571,7 +6571,7 @@
           <a:xfrm>
             <a:off x="196801" y="214192"/>
             <a:ext cx="6511081" cy="799356"/>
-            <a:chOff x="141937" y="225114"/>
+            <a:chOff x="196801" y="214192"/>
             <a:chExt cx="6511081" cy="799356"/>
           </a:xfrm>
         </p:grpSpPr>
@@ -6589,7 +6589,7 @@
           </p:nvGrpSpPr>
           <p:grpSpPr>
             <a:xfrm>
-              <a:off x="2293711" y="225114"/>
+              <a:off x="2348575" y="214192"/>
               <a:ext cx="1985963" cy="787018"/>
               <a:chOff x="3653507" y="8928"/>
               <a:chExt cx="3530600" cy="1399142"/>
@@ -6747,7 +6747,7 @@
           </p:nvGrpSpPr>
           <p:grpSpPr>
             <a:xfrm>
-              <a:off x="141937" y="255822"/>
+              <a:off x="196801" y="244900"/>
               <a:ext cx="1959447" cy="755543"/>
               <a:chOff x="141937" y="255822"/>
               <a:chExt cx="1959447" cy="755543"/>
@@ -6854,10 +6854,10 @@
         </p:grpSp>
         <p:grpSp>
           <p:nvGrpSpPr>
-            <p:cNvPr id="86" name="Group 85">
+            <p:cNvPr id="5" name="Group 4">
               <a:extLst>
                 <a:ext uri="{FF2B5EF4-FFF2-40B4-BE49-F238E27FC236}">
-                  <a16:creationId xmlns:a16="http://schemas.microsoft.com/office/drawing/2014/main" id="{88D1C8E3-A0A5-4131-923D-CBAEDE8B7A0C}"/>
+                  <a16:creationId xmlns:a16="http://schemas.microsoft.com/office/drawing/2014/main" id="{DC64611E-473B-48D5-8E6C-BAEE364F01B1}"/>
                 </a:ext>
               </a:extLst>
             </p:cNvPr>
@@ -6866,10 +6866,10 @@
           </p:nvGrpSpPr>
           <p:grpSpPr>
             <a:xfrm>
-              <a:off x="4530184" y="225115"/>
+              <a:off x="4585048" y="214193"/>
               <a:ext cx="2122834" cy="799355"/>
-              <a:chOff x="7603483" y="-14325"/>
-              <a:chExt cx="3773926" cy="1421075"/>
+              <a:chOff x="4585048" y="214193"/>
+              <a:chExt cx="2122834" cy="799355"/>
             </a:xfrm>
           </p:grpSpPr>
           <p:sp>
@@ -6886,8 +6886,8 @@
             </p:nvSpPr>
             <p:spPr>
               <a:xfrm>
-                <a:off x="7603483" y="38188"/>
-                <a:ext cx="3773926" cy="1368562"/>
+                <a:off x="4585048" y="243732"/>
+                <a:ext cx="2122834" cy="769816"/>
               </a:xfrm>
               <a:prstGeom prst="rect">
                 <a:avLst/>
@@ -6954,8 +6954,8 @@
             </p:blipFill>
             <p:spPr>
               <a:xfrm>
-                <a:off x="7823762" y="331684"/>
-                <a:ext cx="3495484" cy="1025585"/>
+                <a:off x="4708955" y="408823"/>
+                <a:ext cx="1966210" cy="576892"/>
               </a:xfrm>
               <a:prstGeom prst="rect">
                 <a:avLst/>
@@ -6976,8 +6976,8 @@
             </p:nvSpPr>
             <p:spPr>
               <a:xfrm>
-                <a:off x="8998073" y="-14325"/>
-                <a:ext cx="1072089" cy="533479"/>
+                <a:off x="5369505" y="214193"/>
+                <a:ext cx="603050" cy="300082"/>
               </a:xfrm>
               <a:prstGeom prst="rect">
                 <a:avLst/>
@@ -7787,7 +7787,14 @@
                   <a:latin typeface="Calibri" panose="020F0502020204030204" pitchFamily="34" charset="0"/>
                   <a:cs typeface="Calibri" panose="020F0502020204030204" pitchFamily="34" charset="0"/>
                 </a:rPr>
-                <a:t>See a list of all participants </a:t>
+                <a:t>See a list </a:t>
+              </a:r>
+              <a:r>
+                <a:rPr lang="en-US" sz="1350" b="1">
+                  <a:latin typeface="Calibri" panose="020F0502020204030204" pitchFamily="34" charset="0"/>
+                  <a:cs typeface="Calibri" panose="020F0502020204030204" pitchFamily="34" charset="0"/>
+                </a:rPr>
+                <a:t>of participants </a:t>
               </a:r>
               <a:endParaRPr lang="en-US" sz="450" b="1" dirty="0">
                 <a:latin typeface="Calibri" panose="020F0502020204030204" pitchFamily="34" charset="0"/>
@@ -8468,7 +8475,7 @@
         </p:nvGrpSpPr>
         <p:grpSpPr>
           <a:xfrm>
-            <a:off x="4804174" y="5943451"/>
+            <a:off x="4804174" y="5937101"/>
             <a:ext cx="1988013" cy="925473"/>
             <a:chOff x="4749310" y="6157573"/>
             <a:chExt cx="1988013" cy="925473"/>
@@ -8701,7 +8708,7 @@
         </p:nvGrpSpPr>
         <p:grpSpPr>
           <a:xfrm>
-            <a:off x="4738101" y="6945124"/>
+            <a:off x="4738101" y="6913374"/>
             <a:ext cx="2162477" cy="2185651"/>
             <a:chOff x="4695069" y="7322872"/>
             <a:chExt cx="2162477" cy="2185651"/>
